--- a/videoLessonPlan/ppt/3 输入输出.pptx
+++ b/videoLessonPlan/ppt/3 输入输出.pptx
@@ -8,8 +8,9 @@
     <p:notesMasterId r:id="rId4"/>
   </p:notesMasterIdLst>
   <p:sldIdLst>
-    <p:sldId id="256" r:id="rId3"/>
-    <p:sldId id="257" r:id="rId5"/>
+    <p:sldId id="257" r:id="rId3"/>
+    <p:sldId id="256" r:id="rId5"/>
+    <p:sldId id="258" r:id="rId6"/>
   </p:sldIdLst>
   <p:sldSz cx="12192000" cy="6858000"/>
   <p:notesSz cx="7103745" cy="10234295"/>
@@ -503,6 +504,50 @@
 </file>
 
 <file path=ppt/notesSlides/notesSlide2.xml><?xml version="1.0" encoding="utf-8"?>
+<p:notes xmlns:a="http://schemas.openxmlformats.org/drawingml/2006/main" xmlns:r="http://schemas.openxmlformats.org/officeDocument/2006/relationships" xmlns:p="http://schemas.openxmlformats.org/presentationml/2006/main">
+  <p:cSld>
+    <p:spTree>
+      <p:nvGrpSpPr>
+        <p:cNvPr id="1" name=""/>
+        <p:cNvGrpSpPr/>
+        <p:nvPr/>
+      </p:nvGrpSpPr>
+      <p:grpSpPr/>
+      <p:sp>
+        <p:nvSpPr>
+          <p:cNvPr id="2" name="幻灯片图像占位符 1"/>
+          <p:cNvSpPr/>
+          <p:nvPr>
+            <p:ph type="sldImg" idx="2"/>
+          </p:nvPr>
+        </p:nvSpPr>
+        <p:spPr/>
+      </p:sp>
+      <p:sp>
+        <p:nvSpPr>
+          <p:cNvPr id="3" name="文本占位符 2"/>
+          <p:cNvSpPr/>
+          <p:nvPr>
+            <p:ph type="body" idx="3"/>
+          </p:nvPr>
+        </p:nvSpPr>
+        <p:spPr/>
+        <p:txBody>
+          <a:bodyPr/>
+          <a:p>
+            <a:endParaRPr lang="zh-CN" altLang="en-US"/>
+          </a:p>
+        </p:txBody>
+      </p:sp>
+    </p:spTree>
+  </p:cSld>
+  <p:clrMapOvr>
+    <a:masterClrMapping/>
+  </p:clrMapOvr>
+</p:notes>
+</file>
+
+<file path=ppt/notesSlides/notesSlide3.xml><?xml version="1.0" encoding="utf-8"?>
 <p:notes xmlns:a="http://schemas.openxmlformats.org/drawingml/2006/main" xmlns:r="http://schemas.openxmlformats.org/officeDocument/2006/relationships" xmlns:p="http://schemas.openxmlformats.org/presentationml/2006/main">
   <p:cSld>
     <p:spTree>
@@ -3089,17 +3134,30 @@
         </p:nvSpPr>
         <p:spPr>
           <a:xfrm>
-            <a:off x="2390140" y="898525"/>
+            <a:off x="2266950" y="913130"/>
             <a:ext cx="6704330" cy="941705"/>
           </a:xfrm>
         </p:spPr>
         <p:txBody>
-          <a:bodyPr/>
-          <a:p>
-            <a:r>
-              <a:rPr lang="zh-CN" altLang="en-US"/>
-              <a:t>什么变量？</a:t>
-            </a:r>
+          <a:bodyPr>
+            <a:normAutofit fontScale="90000"/>
+          </a:bodyPr>
+          <a:p>
+            <a:r>
+              <a:rPr lang="zh-CN" altLang="en-US">
+                <a:sym typeface="+mn-ea"/>
+              </a:rPr>
+              <a:t>输入函数 input</a:t>
+            </a:r>
+            <a:r>
+              <a:rPr lang="en-US" altLang="zh-CN">
+                <a:sym typeface="+mn-ea"/>
+              </a:rPr>
+              <a:t>()</a:t>
+            </a:r>
+            <a:br>
+              <a:rPr lang="en-US" altLang="zh-CN"/>
+            </a:br>
             <a:endParaRPr lang="zh-CN" altLang="en-US"/>
           </a:p>
         </p:txBody>
@@ -3139,8 +3197,8 @@
         </p:nvSpPr>
         <p:spPr>
           <a:xfrm>
-            <a:off x="1911350" y="2153920"/>
-            <a:ext cx="9354820" cy="1568450"/>
+            <a:off x="904875" y="1464310"/>
+            <a:ext cx="10279380" cy="891540"/>
           </a:xfrm>
           <a:prstGeom prst="rect">
             <a:avLst/>
@@ -3153,48 +3211,130 @@
           </a:bodyPr>
           <a:p>
             <a:r>
-              <a:rPr lang="zh-CN" altLang="en-US" sz="2400" b="1"/>
-              <a:t>变量</a:t>
-            </a:r>
-            <a:r>
-              <a:rPr lang="zh-CN" altLang="en-US" sz="2400"/>
-              <a:t>通俗点讲法就是</a:t>
-            </a:r>
-            <a:r>
-              <a:rPr lang="zh-CN" altLang="en-US" sz="2400" b="1">
+              <a:rPr lang="en-US" altLang="zh-CN" sz="2400"/>
+              <a:t> </a:t>
+            </a:r>
+            <a:r>
+              <a:rPr lang="zh-CN" altLang="en-US" sz="2800"/>
+              <a:t>input()函数用于接收</a:t>
+            </a:r>
+            <a:r>
+              <a:rPr lang="zh-CN" altLang="en-US" sz="2800">
                 <a:solidFill>
                   <a:srgbClr val="FF0000"/>
                 </a:solidFill>
               </a:rPr>
-              <a:t>一个盒子</a:t>
-            </a:r>
-            <a:r>
-              <a:rPr lang="zh-CN" altLang="en-US" sz="2400"/>
-              <a:t>，里面可以存放各种东西，比如数字、字符串、列表等等。</a:t>
+              <a:t>用户输入的内容</a:t>
+            </a:r>
+            <a:r>
+              <a:rPr lang="zh-CN" altLang="en-US" sz="2800"/>
+              <a:t>，返回值是一个字符串类型</a:t>
+            </a:r>
+            <a:r>
+              <a:rPr lang="zh-CN" altLang="en-US" sz="2800">
+                <a:solidFill>
+                  <a:srgbClr val="0070C0"/>
+                </a:solidFill>
+              </a:rPr>
+              <a:t>。</a:t>
             </a:r>
             <a:endParaRPr lang="zh-CN" altLang="en-US" sz="2400"/>
           </a:p>
           <a:p>
             <a:endParaRPr lang="zh-CN" altLang="en-US" sz="2400"/>
           </a:p>
-          <a:p>
-            <a:r>
-              <a:rPr lang="zh-CN" altLang="en-US" sz="2400"/>
-              <a:t>我们可以通过</a:t>
-            </a:r>
-            <a:r>
-              <a:rPr lang="zh-CN" altLang="en-US" sz="2400" b="1">
+        </p:txBody>
+      </p:sp>
+      <p:sp>
+        <p:nvSpPr>
+          <p:cNvPr id="6" name="文本框 5"/>
+          <p:cNvSpPr txBox="1"/>
+          <p:nvPr/>
+        </p:nvSpPr>
+        <p:spPr>
+          <a:xfrm>
+            <a:off x="1829435" y="2585720"/>
+            <a:ext cx="9354820" cy="2368550"/>
+          </a:xfrm>
+          <a:prstGeom prst="rect">
+            <a:avLst/>
+          </a:prstGeom>
+          <a:noFill/>
+        </p:spPr>
+        <p:txBody>
+          <a:bodyPr wrap="square" rtlCol="0">
+            <a:spAutoFit/>
+          </a:bodyPr>
+          <a:p>
+            <a:r>
+              <a:rPr sz="2800" b="1">
+                <a:latin typeface="Arial Bold" panose="020B0604020202090204" charset="0"/>
+              </a:rPr>
+              <a:t>调用有两种格式</a:t>
+            </a:r>
+            <a:endParaRPr sz="2800" b="1">
+              <a:latin typeface="Arial Bold" panose="020B0604020202090204" charset="0"/>
+            </a:endParaRPr>
+          </a:p>
+          <a:p>
+            <a:endParaRPr sz="2400"/>
+          </a:p>
+          <a:p>
+            <a:r>
+              <a:rPr lang="en-US" altLang="zh-CN" sz="2400">
                 <a:solidFill>
-                  <a:srgbClr val="FF0000"/>
+                  <a:srgbClr val="0070C0"/>
                 </a:solidFill>
               </a:rPr>
-              <a:t>变量名</a:t>
-            </a:r>
-            <a:r>
-              <a:rPr lang="zh-CN" altLang="en-US" sz="2400"/>
-              <a:t>来访问这个盒子里面的东西。</a:t>
-            </a:r>
-            <a:endParaRPr lang="zh-CN" altLang="en-US" sz="2400"/>
+              <a:t>1 </a:t>
+            </a:r>
+            <a:r>
+              <a:rPr lang="zh-CN" altLang="en-US" sz="2400">
+                <a:solidFill>
+                  <a:srgbClr val="0070C0"/>
+                </a:solidFill>
+              </a:rPr>
+              <a:t>input()  # 无提示信息 用户直接输入内容</a:t>
+            </a:r>
+            <a:endParaRPr lang="zh-CN" altLang="en-US" sz="2400">
+              <a:solidFill>
+                <a:srgbClr val="0070C0"/>
+              </a:solidFill>
+            </a:endParaRPr>
+          </a:p>
+          <a:p>
+            <a:endParaRPr lang="en-US" altLang="zh-CN" sz="2400"/>
+          </a:p>
+          <a:p>
+            <a:r>
+              <a:rPr lang="en-US" altLang="zh-CN" sz="2400">
+                <a:solidFill>
+                  <a:schemeClr val="accent1">
+                    <a:lumMod val="75000"/>
+                  </a:schemeClr>
+                </a:solidFill>
+              </a:rPr>
+              <a:t>2 </a:t>
+            </a:r>
+            <a:r>
+              <a:rPr lang="zh-CN" altLang="en-US" sz="2400">
+                <a:solidFill>
+                  <a:schemeClr val="accent1">
+                    <a:lumMod val="75000"/>
+                  </a:schemeClr>
+                </a:solidFill>
+              </a:rPr>
+              <a:t>input('提示信息')  # 有提示信息 ，提示信息可以在用户输入前，显示给用户，对用户更加友好。</a:t>
+            </a:r>
+            <a:r>
+              <a:rPr lang="en-US" altLang="zh-CN" sz="2400"/>
+              <a:t> </a:t>
+            </a:r>
+            <a:endParaRPr lang="zh-CN" altLang="en-US" sz="2400">
+              <a:solidFill>
+                <a:schemeClr val="accent1"/>
+              </a:solidFill>
+            </a:endParaRPr>
           </a:p>
         </p:txBody>
       </p:sp>
@@ -3249,20 +3389,24 @@
         </p:nvSpPr>
         <p:spPr>
           <a:xfrm>
-            <a:off x="2369820" y="260985"/>
+            <a:off x="2390140" y="238125"/>
             <a:ext cx="6704330" cy="941705"/>
           </a:xfrm>
         </p:spPr>
         <p:txBody>
           <a:bodyPr>
-            <a:normAutofit/>
+            <a:normAutofit fontScale="90000"/>
           </a:bodyPr>
           <a:p>
             <a:r>
               <a:rPr lang="zh-CN" altLang="en-US"/>
-              <a:t>变量命名规则？</a:t>
-            </a:r>
-            <a:endParaRPr lang="zh-CN" altLang="en-US"/>
+              <a:t>输出函数 print</a:t>
+            </a:r>
+            <a:r>
+              <a:rPr lang="en-US" altLang="zh-CN"/>
+              <a:t>()</a:t>
+            </a:r>
+            <a:endParaRPr lang="en-US" altLang="zh-CN"/>
           </a:p>
         </p:txBody>
       </p:sp>
@@ -3301,8 +3445,8 @@
         </p:nvSpPr>
         <p:spPr>
           <a:xfrm>
-            <a:off x="1829435" y="1464310"/>
-            <a:ext cx="9354820" cy="1938020"/>
+            <a:off x="772795" y="1391920"/>
+            <a:ext cx="12121515" cy="3476625"/>
           </a:xfrm>
           <a:prstGeom prst="rect">
             <a:avLst/>
@@ -3315,24 +3459,16 @@
           </a:bodyPr>
           <a:p>
             <a:r>
-              <a:rPr lang="en-US" altLang="zh-CN" sz="2400"/>
-              <a:t>1 </a:t>
-            </a:r>
-            <a:r>
-              <a:rPr lang="zh-CN" altLang="en-US" sz="2400"/>
-              <a:t>变量名只能包含</a:t>
-            </a:r>
-            <a:r>
               <a:rPr lang="zh-CN" altLang="en-US" sz="2400" b="1">
                 <a:solidFill>
                   <a:srgbClr val="FF0000"/>
                 </a:solidFill>
               </a:rPr>
-              <a:t>字母</a:t>
+              <a:t>print()</a:t>
             </a:r>
             <a:r>
               <a:rPr lang="zh-CN" altLang="en-US" sz="2400"/>
-              <a:t>、</a:t>
+              <a:t>函数用于输出内容到</a:t>
             </a:r>
             <a:r>
               <a:rPr lang="zh-CN" altLang="en-US" sz="2400" b="1">
@@ -3340,23 +3476,11 @@
                   <a:srgbClr val="FF0000"/>
                 </a:solidFill>
               </a:rPr>
-              <a:t>数字</a:t>
+              <a:t>控制台</a:t>
             </a:r>
             <a:r>
               <a:rPr lang="zh-CN" altLang="en-US" sz="2400"/>
-              <a:t>和</a:t>
-            </a:r>
-            <a:r>
-              <a:rPr lang="zh-CN" altLang="en-US" sz="2400">
-                <a:solidFill>
-                  <a:srgbClr val="FF0000"/>
-                </a:solidFill>
-              </a:rPr>
-              <a:t>下划线</a:t>
-            </a:r>
-            <a:r>
-              <a:rPr lang="zh-CN" altLang="en-US" sz="2400"/>
-              <a:t>。 这里字母也可以是</a:t>
+              <a:t>或者</a:t>
             </a:r>
             <a:r>
               <a:rPr lang="zh-CN" altLang="en-US" sz="2400" b="1">
@@ -3364,98 +3488,313 @@
                   <a:srgbClr val="FF0000"/>
                 </a:solidFill>
               </a:rPr>
-              <a:t>中文</a:t>
+              <a:t>文件</a:t>
             </a:r>
             <a:r>
               <a:rPr lang="zh-CN" altLang="en-US" sz="2400"/>
-              <a:t>。</a:t>
+              <a:t>等输出设备上</a:t>
             </a:r>
             <a:endParaRPr lang="zh-CN" altLang="en-US" sz="2400"/>
           </a:p>
           <a:p>
-            <a:r>
-              <a:rPr lang="zh-CN" altLang="en-US" sz="2400">
-                <a:solidFill>
-                  <a:schemeClr val="tx1"/>
-                </a:solidFill>
-              </a:rPr>
-              <a:t> 举例子：</a:t>
-            </a:r>
-            <a:r>
-              <a:rPr lang="zh-CN" altLang="en-US" sz="2400">
-                <a:solidFill>
-                  <a:srgbClr val="0070C0"/>
-                </a:solidFill>
-              </a:rPr>
-              <a:t>`name`, `age`, `my_name`, `myAge` 等。</a:t>
-            </a:r>
             <a:endParaRPr lang="zh-CN" altLang="en-US" sz="2400"/>
           </a:p>
           <a:p>
-            <a:endParaRPr lang="zh-CN" altLang="en-US" sz="2400"/>
+            <a:r>
+              <a:rPr lang="zh-CN" altLang="en-US" sz="2800">
+                <a:gradFill>
+                  <a:gsLst>
+                    <a:gs pos="0">
+                      <a:srgbClr val="007BD3"/>
+                    </a:gs>
+                    <a:gs pos="100000">
+                      <a:srgbClr val="034373"/>
+                    </a:gs>
+                  </a:gsLst>
+                  <a:lin scaled="0"/>
+                </a:gradFill>
+              </a:rPr>
+              <a:t>print()函数的完整的参数格式：</a:t>
+            </a:r>
+            <a:endParaRPr lang="zh-CN" altLang="en-US" sz="2800">
+              <a:gradFill>
+                <a:gsLst>
+                  <a:gs pos="0">
+                    <a:srgbClr val="007BD3"/>
+                  </a:gs>
+                  <a:gs pos="100000">
+                    <a:srgbClr val="034373"/>
+                  </a:gs>
+                </a:gsLst>
+                <a:lin scaled="0"/>
+              </a:gradFill>
+            </a:endParaRPr>
+          </a:p>
+          <a:p>
+            <a:r>
+              <a:rPr sz="2400"/>
+              <a:t>print(</a:t>
+            </a:r>
+            <a:r>
+              <a:rPr lang="zh-CN" sz="2400"/>
+              <a:t>输出</a:t>
+            </a:r>
+            <a:r>
+              <a:rPr sz="2400"/>
+              <a:t>1, </a:t>
+            </a:r>
+            <a:r>
+              <a:rPr lang="zh-CN" sz="2400"/>
+              <a:t>输出</a:t>
+            </a:r>
+            <a:r>
+              <a:rPr sz="2400"/>
+              <a:t>2, </a:t>
+            </a:r>
+            <a:r>
+              <a:rPr lang="zh-CN" sz="2400"/>
+              <a:t>输出</a:t>
+            </a:r>
+            <a:r>
+              <a:rPr sz="2400"/>
+              <a:t>3, ..., sep=' ', end='\n', file=sys.stdout, flush=False)</a:t>
+            </a:r>
+            <a:endParaRPr sz="2400"/>
           </a:p>
           <a:p>
             <a:r>
               <a:rPr lang="en-US" altLang="zh-CN" sz="2400"/>
-              <a:t>2 </a:t>
+              <a:t>参数说明：</a:t>
+            </a:r>
+            <a:endParaRPr lang="en-US" altLang="zh-CN" sz="2400"/>
+          </a:p>
+          <a:p>
+            <a:r>
+              <a:rPr lang="en-US" altLang="zh-CN" sz="2400"/>
+              <a:t>- </a:t>
             </a:r>
             <a:r>
               <a:rPr lang="zh-CN" altLang="en-US" sz="2400"/>
-              <a:t>变量名可以以</a:t>
-            </a:r>
-            <a:r>
-              <a:rPr lang="zh-CN" altLang="en-US" sz="2400" b="1">
+              <a:t>输出</a:t>
+            </a:r>
+            <a:r>
+              <a:rPr lang="en-US" altLang="zh-CN" sz="2400"/>
+              <a:t>1, </a:t>
+            </a:r>
+            <a:r>
+              <a:rPr lang="zh-CN" altLang="en-US" sz="2400"/>
+              <a:t>输出</a:t>
+            </a:r>
+            <a:r>
+              <a:rPr lang="en-US" altLang="zh-CN" sz="2400"/>
+              <a:t>2, </a:t>
+            </a:r>
+            <a:r>
+              <a:rPr lang="zh-CN" altLang="en-US" sz="2400"/>
+              <a:t>输出</a:t>
+            </a:r>
+            <a:r>
+              <a:rPr lang="en-US" altLang="zh-CN" sz="2400"/>
+              <a:t>3, ...,</a:t>
+            </a:r>
+            <a:r>
+              <a:rPr lang="zh-CN" altLang="en-US" sz="2400"/>
+              <a:t>定义输出项</a:t>
+            </a:r>
+            <a:r>
+              <a:rPr lang="en-US" altLang="zh-CN" sz="2400"/>
+              <a:t>,可以是</a:t>
+            </a:r>
+            <a:r>
+              <a:rPr lang="zh-CN" altLang="en-US" sz="2400"/>
+              <a:t>一个也可以是</a:t>
+            </a:r>
+            <a:r>
+              <a:rPr lang="en-US" altLang="zh-CN" sz="2400"/>
+              <a:t>多个</a:t>
+            </a:r>
+            <a:r>
+              <a:rPr lang="zh-CN" altLang="en-US" sz="2400"/>
+              <a:t>内容</a:t>
+            </a:r>
+            <a:r>
+              <a:rPr lang="en-US" altLang="zh-CN" sz="2400"/>
+              <a:t>，用逗号隔开。</a:t>
+            </a:r>
+            <a:endParaRPr lang="en-US" altLang="zh-CN" sz="2400"/>
+          </a:p>
+          <a:p>
+            <a:r>
+              <a:rPr lang="en-US" altLang="zh-CN" sz="2400"/>
+              <a:t>- </a:t>
+            </a:r>
+            <a:r>
+              <a:rPr lang="en-US" altLang="zh-CN" sz="2400" b="1">
                 <a:solidFill>
                   <a:srgbClr val="FF0000"/>
                 </a:solidFill>
               </a:rPr>
-              <a:t>字母</a:t>
+              <a:t>sep</a:t>
+            </a:r>
+            <a:r>
+              <a:rPr lang="en-US" altLang="zh-CN" sz="2400"/>
+              <a:t>：</a:t>
             </a:r>
             <a:r>
               <a:rPr lang="zh-CN" altLang="en-US" sz="2400"/>
-              <a:t>或</a:t>
-            </a:r>
-            <a:r>
-              <a:rPr lang="zh-CN" altLang="en-US" sz="2400" b="1">
+              <a:t>可选参数，定义多个输出项之间的</a:t>
+            </a:r>
+            <a:r>
+              <a:rPr lang="en-US" altLang="zh-CN" sz="2400"/>
+              <a:t>分隔符，默认是一个空格。</a:t>
+            </a:r>
+            <a:endParaRPr lang="en-US" altLang="zh-CN" sz="2400"/>
+          </a:p>
+          <a:p>
+            <a:r>
+              <a:rPr lang="en-US" altLang="zh-CN" sz="2400"/>
+              <a:t>- </a:t>
+            </a:r>
+            <a:r>
+              <a:rPr lang="en-US" altLang="zh-CN" sz="2400" b="1">
                 <a:solidFill>
                   <a:srgbClr val="FF0000"/>
                 </a:solidFill>
               </a:rPr>
-              <a:t>下划线</a:t>
+              <a:t>end</a:t>
+            </a:r>
+            <a:r>
+              <a:rPr lang="en-US" altLang="zh-CN" sz="2400"/>
+              <a:t>：</a:t>
             </a:r>
             <a:r>
               <a:rPr lang="zh-CN" altLang="en-US" sz="2400"/>
-              <a:t>开头，但不能以</a:t>
-            </a:r>
-            <a:r>
-              <a:rPr lang="zh-CN" altLang="en-US" sz="2400" b="1">
-                <a:solidFill>
-                  <a:srgbClr val="FF0000"/>
-                </a:solidFill>
-              </a:rPr>
-              <a:t>数字</a:t>
-            </a:r>
-            <a:r>
-              <a:rPr lang="zh-CN" altLang="en-US" sz="2400"/>
-              <a:t>开头。</a:t>
-            </a:r>
-            <a:endParaRPr lang="zh-CN" altLang="en-US" sz="2400"/>
-          </a:p>
-          <a:p>
-            <a:endParaRPr lang="zh-CN" altLang="en-US" sz="2400"/>
-          </a:p>
-        </p:txBody>
-      </p:sp>
-      <p:sp>
-        <p:nvSpPr>
-          <p:cNvPr id="4" name="文本框 3"/>
+              <a:t>可选参数，定义输出内容完成后的结尾符</a:t>
+            </a:r>
+            <a:r>
+              <a:rPr lang="en-US" altLang="zh-CN" sz="2400"/>
+              <a:t>，默认是换行符。</a:t>
+            </a:r>
+            <a:endParaRPr lang="en-US" altLang="zh-CN" sz="2400"/>
+          </a:p>
+          <a:p>
+            <a:endParaRPr lang="en-US" altLang="zh-CN" sz="2400"/>
+          </a:p>
+        </p:txBody>
+      </p:sp>
+    </p:spTree>
+  </p:cSld>
+  <p:clrMapOvr>
+    <a:masterClrMapping/>
+  </p:clrMapOvr>
+  <p:transition advClick="0">
+    <p:cover dir="r"/>
+  </p:transition>
+  <p:timing>
+    <p:tnLst>
+      <p:par>
+        <p:cTn id="1" dur="indefinite" restart="never" nodeType="tmRoot"/>
+      </p:par>
+    </p:tnLst>
+  </p:timing>
+</p:sld>
+</file>
+
+<file path=ppt/slides/slide3.xml><?xml version="1.0" encoding="utf-8"?>
+<p:sld xmlns:a="http://schemas.openxmlformats.org/drawingml/2006/main" xmlns:r="http://schemas.openxmlformats.org/officeDocument/2006/relationships" xmlns:p="http://schemas.openxmlformats.org/presentationml/2006/main">
+  <p:cSld>
+    <p:bg>
+      <p:bgPr>
+        <a:blipFill rotWithShape="1">
+          <a:blip r:embed="rId1"/>
+          <a:stretch>
+            <a:fillRect/>
+          </a:stretch>
+        </a:blipFill>
+        <a:effectLst/>
+      </p:bgPr>
+    </p:bg>
+    <p:spTree>
+      <p:nvGrpSpPr>
+        <p:cNvPr id="1" name=""/>
+        <p:cNvGrpSpPr/>
+        <p:nvPr/>
+      </p:nvGrpSpPr>
+      <p:grpSpPr/>
+      <p:sp>
+        <p:nvSpPr>
+          <p:cNvPr id="2" name="Title 1"/>
+          <p:cNvSpPr>
+            <a:spLocks noGrp="1"/>
+          </p:cNvSpPr>
+          <p:nvPr>
+            <p:ph type="ctrTitle"/>
+          </p:nvPr>
+        </p:nvSpPr>
+        <p:spPr>
+          <a:xfrm>
+            <a:off x="259080" y="542925"/>
+            <a:ext cx="10860405" cy="941705"/>
+          </a:xfrm>
+        </p:spPr>
+        <p:txBody>
+          <a:bodyPr>
+            <a:normAutofit fontScale="90000"/>
+          </a:bodyPr>
+          <a:p>
+            <a:r>
+              <a:rPr lang="zh-CN" altLang="en-US"/>
+              <a:t>输出函数 print</a:t>
+            </a:r>
+            <a:r>
+              <a:rPr lang="en-US" altLang="zh-CN"/>
+              <a:t>()</a:t>
+            </a:r>
+            <a:r>
+              <a:rPr lang="zh-CN" altLang="en-US"/>
+              <a:t>常见的调用格式</a:t>
+            </a:r>
+            <a:endParaRPr lang="zh-CN" altLang="en-US"/>
+          </a:p>
+        </p:txBody>
+      </p:sp>
+      <p:sp>
+        <p:nvSpPr>
+          <p:cNvPr id="3" name="Subtitle 2"/>
+          <p:cNvSpPr>
+            <a:spLocks noGrp="1"/>
+          </p:cNvSpPr>
+          <p:nvPr>
+            <p:ph type="subTitle" idx="1"/>
+          </p:nvPr>
+        </p:nvSpPr>
+        <p:spPr>
+          <a:xfrm>
+            <a:off x="1524000" y="3602355"/>
+            <a:ext cx="9144000" cy="546100"/>
+          </a:xfrm>
+        </p:spPr>
+        <p:txBody>
+          <a:bodyPr/>
+          <a:p>
+            <a:r>
+              <a:rPr lang="en-US"/>
+              <a:t> </a:t>
+            </a:r>
+            <a:endParaRPr lang="en-US"/>
+          </a:p>
+        </p:txBody>
+      </p:sp>
+      <p:sp>
+        <p:nvSpPr>
+          <p:cNvPr id="5" name="文本框 4"/>
           <p:cNvSpPr txBox="1"/>
           <p:nvPr/>
         </p:nvSpPr>
         <p:spPr>
           <a:xfrm>
-            <a:off x="1829435" y="3559175"/>
-            <a:ext cx="5674360" cy="645160"/>
+            <a:off x="497205" y="1590040"/>
+            <a:ext cx="12121515" cy="6000750"/>
           </a:xfrm>
           <a:prstGeom prst="rect">
             <a:avLst/>
@@ -3468,109 +3807,393 @@
           </a:bodyPr>
           <a:p>
             <a:r>
-              <a:rPr lang="zh-CN" altLang="en-US" sz="3600" b="1">
+              <a:rPr lang="en-US" altLang="zh-CN" sz="2400"/>
+              <a:t># </a:t>
+            </a:r>
+            <a:r>
+              <a:rPr lang="zh-CN" altLang="en-US" sz="2400"/>
+              <a:t>单个输出项</a:t>
+            </a:r>
+            <a:endParaRPr lang="zh-CN" altLang="en-US" sz="2400"/>
+          </a:p>
+          <a:p>
+            <a:r>
+              <a:rPr lang="en-US" altLang="zh-CN" sz="2400" b="1">
                 <a:solidFill>
-                  <a:srgbClr val="0070C0"/>
+                  <a:schemeClr val="tx1"/>
                 </a:solidFill>
               </a:rPr>
-              <a:t>其他规则</a:t>
-            </a:r>
-            <a:endParaRPr lang="zh-CN" altLang="en-US" sz="3600" b="1">
-              <a:solidFill>
-                <a:srgbClr val="0070C0"/>
-              </a:solidFill>
+              <a:t>1 </a:t>
+            </a:r>
+            <a:r>
+              <a:rPr lang="en-US" altLang="zh-CN" sz="2400" b="1">
+                <a:solidFill>
+                  <a:srgbClr val="FF0000"/>
+                </a:solidFill>
+              </a:rPr>
+              <a:t>print</a:t>
+            </a:r>
+            <a:r>
+              <a:rPr lang="en-US" altLang="zh-CN" sz="2400"/>
+              <a:t>(</a:t>
+            </a:r>
+            <a:r>
+              <a:rPr lang="zh-CN" altLang="en-US" sz="2400"/>
+              <a:t>输出内容</a:t>
+            </a:r>
+            <a:r>
+              <a:rPr lang="en-US" altLang="zh-CN" sz="2400"/>
+              <a:t>1)</a:t>
+            </a:r>
+            <a:endParaRPr lang="en-US" altLang="zh-CN" sz="2400"/>
+          </a:p>
+          <a:p>
+            <a:endParaRPr lang="en-US" altLang="zh-CN" sz="2400"/>
+          </a:p>
+          <a:p>
+            <a:r>
+              <a:rPr lang="en-US" altLang="zh-CN" sz="2400" b="1">
+                <a:sym typeface="+mn-ea"/>
+              </a:rPr>
+              <a:t># </a:t>
+            </a:r>
+            <a:r>
+              <a:rPr lang="zh-CN" altLang="en-US" sz="2400" b="1">
+                <a:sym typeface="+mn-ea"/>
+              </a:rPr>
+              <a:t>两个输出项</a:t>
+            </a:r>
+            <a:endParaRPr lang="en-US" altLang="zh-CN" sz="2400" b="1">
+              <a:sym typeface="+mn-ea"/>
             </a:endParaRPr>
           </a:p>
-        </p:txBody>
-      </p:sp>
-      <p:sp>
-        <p:nvSpPr>
-          <p:cNvPr id="6" name="文本框 5"/>
-          <p:cNvSpPr txBox="1"/>
-          <p:nvPr/>
-        </p:nvSpPr>
-        <p:spPr>
-          <a:xfrm>
-            <a:off x="1829435" y="4148455"/>
-            <a:ext cx="9354820" cy="1938020"/>
-          </a:xfrm>
-          <a:prstGeom prst="rect">
-            <a:avLst/>
-          </a:prstGeom>
-          <a:noFill/>
-        </p:spPr>
-        <p:txBody>
-          <a:bodyPr wrap="square" rtlCol="0">
-            <a:spAutoFit/>
-          </a:bodyPr>
-          <a:p>
-            <a:r>
-              <a:rPr lang="en-US" altLang="zh-CN" sz="2400"/>
+          <a:p>
+            <a:r>
+              <a:rPr lang="en-US" altLang="zh-CN" sz="2400" b="1">
+                <a:sym typeface="+mn-ea"/>
+              </a:rPr>
+              <a:t>2 </a:t>
+            </a:r>
+            <a:r>
+              <a:rPr lang="en-US" altLang="zh-CN" sz="2400" b="1">
+                <a:solidFill>
+                  <a:srgbClr val="FF0000"/>
+                </a:solidFill>
+                <a:sym typeface="+mn-ea"/>
+              </a:rPr>
+              <a:t>print</a:t>
+            </a:r>
+            <a:r>
+              <a:rPr lang="en-US" altLang="zh-CN" sz="2400">
+                <a:sym typeface="+mn-ea"/>
+              </a:rPr>
+              <a:t>(</a:t>
+            </a:r>
+            <a:r>
+              <a:rPr lang="zh-CN" altLang="en-US" sz="2400">
+                <a:sym typeface="+mn-ea"/>
+              </a:rPr>
+              <a:t>输出内容</a:t>
+            </a:r>
+            <a:r>
+              <a:rPr lang="en-US" altLang="zh-CN" sz="2400">
+                <a:sym typeface="+mn-ea"/>
+              </a:rPr>
+              <a:t>1,</a:t>
+            </a:r>
+            <a:r>
+              <a:rPr lang="zh-CN" altLang="en-US" sz="2400">
+                <a:sym typeface="+mn-ea"/>
+              </a:rPr>
+              <a:t>输出内容</a:t>
+            </a:r>
+            <a:r>
+              <a:rPr lang="en-US" altLang="zh-CN" sz="2400">
+                <a:sym typeface="+mn-ea"/>
+              </a:rPr>
+              <a:t>2)</a:t>
+            </a:r>
+            <a:endParaRPr lang="en-US" altLang="zh-CN" sz="2400">
+              <a:sym typeface="+mn-ea"/>
+            </a:endParaRPr>
+          </a:p>
+          <a:p>
+            <a:endParaRPr lang="en-US" altLang="zh-CN" sz="2400">
+              <a:sym typeface="+mn-ea"/>
+            </a:endParaRPr>
+          </a:p>
+          <a:p>
+            <a:r>
+              <a:rPr lang="en-US" altLang="zh-CN" sz="2400">
+                <a:sym typeface="+mn-ea"/>
+              </a:rPr>
+              <a:t># </a:t>
+            </a:r>
+            <a:r>
+              <a:rPr lang="zh-CN" altLang="en-US" sz="2400">
+                <a:sym typeface="+mn-ea"/>
+              </a:rPr>
+              <a:t>两个输出项 加间隔符</a:t>
+            </a:r>
+            <a:r>
+              <a:rPr lang="en-US" altLang="zh-CN" sz="2400">
+                <a:sym typeface="+mn-ea"/>
+              </a:rPr>
+              <a:t> (</a:t>
+            </a:r>
+            <a:r>
+              <a:rPr lang="zh-CN" altLang="en-US" sz="2400">
+                <a:sym typeface="+mn-ea"/>
+              </a:rPr>
+              <a:t>可选参数必须要加参数名和等号</a:t>
+            </a:r>
+            <a:r>
+              <a:rPr lang="en-US" altLang="zh-CN" sz="2400">
+                <a:sym typeface="+mn-ea"/>
+              </a:rPr>
+              <a:t>)</a:t>
+            </a:r>
+            <a:endParaRPr lang="en-US" altLang="zh-CN" sz="2400">
+              <a:sym typeface="+mn-ea"/>
+            </a:endParaRPr>
+          </a:p>
+          <a:p>
+            <a:r>
+              <a:rPr lang="en-US" altLang="zh-CN" sz="2400" b="1">
+                <a:sym typeface="+mn-ea"/>
+              </a:rPr>
               <a:t>3 </a:t>
             </a:r>
             <a:r>
-              <a:rPr lang="zh-CN" altLang="en-US" sz="2400"/>
-              <a:t>区分大小写</a:t>
-            </a:r>
-            <a:endParaRPr lang="zh-CN" altLang="en-US" sz="2400"/>
-          </a:p>
-          <a:p>
+              <a:rPr lang="en-US" altLang="zh-CN" sz="2400" b="1">
+                <a:solidFill>
+                  <a:srgbClr val="FF0000"/>
+                </a:solidFill>
+                <a:sym typeface="+mn-ea"/>
+              </a:rPr>
+              <a:t>print</a:t>
+            </a:r>
+            <a:r>
+              <a:rPr lang="en-US" altLang="zh-CN" sz="2400">
+                <a:sym typeface="+mn-ea"/>
+              </a:rPr>
+              <a:t>(</a:t>
+            </a:r>
             <a:r>
               <a:rPr lang="zh-CN" altLang="en-US" sz="2400">
+                <a:sym typeface="+mn-ea"/>
+              </a:rPr>
+              <a:t>输出内容</a:t>
+            </a:r>
+            <a:r>
+              <a:rPr lang="en-US" altLang="zh-CN" sz="2400">
+                <a:sym typeface="+mn-ea"/>
+              </a:rPr>
+              <a:t>1,</a:t>
+            </a:r>
+            <a:r>
+              <a:rPr lang="zh-CN" altLang="en-US" sz="2400">
+                <a:sym typeface="+mn-ea"/>
+              </a:rPr>
+              <a:t>输出内容</a:t>
+            </a:r>
+            <a:r>
+              <a:rPr lang="en-US" altLang="zh-CN" sz="2400">
+                <a:sym typeface="+mn-ea"/>
+              </a:rPr>
+              <a:t>2,sep='</a:t>
+            </a:r>
+            <a:r>
+              <a:rPr lang="zh-CN" altLang="en-US" sz="2400">
+                <a:sym typeface="+mn-ea"/>
+              </a:rPr>
+              <a:t>间隔符</a:t>
+            </a:r>
+            <a:r>
+              <a:rPr lang="en-US" altLang="zh-CN" sz="2400">
+                <a:sym typeface="+mn-ea"/>
+              </a:rPr>
+              <a:t>')</a:t>
+            </a:r>
+            <a:endParaRPr lang="en-US" altLang="zh-CN" sz="2400"/>
+          </a:p>
+          <a:p>
+            <a:endParaRPr lang="en-US" altLang="zh-CN" sz="2400"/>
+          </a:p>
+          <a:p>
+            <a:r>
+              <a:rPr lang="en-US" altLang="zh-CN" sz="2400">
+                <a:sym typeface="+mn-ea"/>
+              </a:rPr>
+              <a:t># </a:t>
+            </a:r>
+            <a:r>
+              <a:rPr lang="zh-CN" altLang="en-US" sz="2400">
+                <a:sym typeface="+mn-ea"/>
+              </a:rPr>
+              <a:t>两个输出项 加结尾符</a:t>
+            </a:r>
+            <a:endParaRPr lang="en-US" altLang="zh-CN" sz="2400"/>
+          </a:p>
+          <a:p>
+            <a:r>
+              <a:rPr lang="en-US" altLang="zh-CN" sz="2400" b="1">
+                <a:sym typeface="+mn-ea"/>
+              </a:rPr>
+              <a:t>4 </a:t>
+            </a:r>
+            <a:r>
+              <a:rPr lang="en-US" altLang="zh-CN" sz="2400" b="1">
                 <a:solidFill>
-                  <a:srgbClr val="0070C0"/>
+                  <a:srgbClr val="FF0000"/>
                 </a:solidFill>
-              </a:rPr>
-              <a:t>`name` 和 `Name` 是两个不同的变量。</a:t>
-            </a:r>
-            <a:endParaRPr lang="zh-CN" altLang="en-US" sz="2400"/>
-          </a:p>
-          <a:p>
-            <a:r>
-              <a:rPr lang="zh-CN" altLang="en-US" sz="2400"/>
-              <a:t> </a:t>
-            </a:r>
-            <a:endParaRPr lang="zh-CN" altLang="en-US" sz="2400"/>
-          </a:p>
-          <a:p>
-            <a:r>
-              <a:rPr lang="en-US" altLang="zh-CN" sz="2400"/>
-              <a:t>4 </a:t>
-            </a:r>
-            <a:r>
-              <a:rPr lang="zh-CN" altLang="en-US" sz="2400"/>
-              <a:t>避免使用Python的保留字</a:t>
+                <a:sym typeface="+mn-ea"/>
+              </a:rPr>
+              <a:t>print</a:t>
+            </a:r>
+            <a:r>
+              <a:rPr lang="en-US" altLang="zh-CN" sz="2400">
+                <a:sym typeface="+mn-ea"/>
+              </a:rPr>
+              <a:t>(</a:t>
             </a:r>
             <a:r>
               <a:rPr lang="zh-CN" altLang="en-US" sz="2400">
                 <a:sym typeface="+mn-ea"/>
               </a:rPr>
-              <a:t>作为变量名</a:t>
-            </a:r>
-            <a:br>
-              <a:rPr lang="zh-CN" altLang="en-US" sz="2400"/>
-            </a:br>
+              <a:t>输出内容</a:t>
+            </a:r>
             <a:r>
               <a:rPr lang="en-US" altLang="zh-CN" sz="2400">
+                <a:sym typeface="+mn-ea"/>
+              </a:rPr>
+              <a:t>1,</a:t>
+            </a:r>
+            <a:r>
+              <a:rPr lang="zh-CN" altLang="en-US" sz="2400">
+                <a:sym typeface="+mn-ea"/>
+              </a:rPr>
+              <a:t>输出内容</a:t>
+            </a:r>
+            <a:r>
+              <a:rPr lang="en-US" altLang="zh-CN" sz="2400">
+                <a:sym typeface="+mn-ea"/>
+              </a:rPr>
+              <a:t>2,end='</a:t>
+            </a:r>
+            <a:r>
+              <a:rPr lang="zh-CN" altLang="en-US" sz="2400">
+                <a:sym typeface="+mn-ea"/>
+              </a:rPr>
+              <a:t>结尾符</a:t>
+            </a:r>
+            <a:r>
+              <a:rPr lang="en-US" altLang="zh-CN" sz="2400">
+                <a:sym typeface="+mn-ea"/>
+              </a:rPr>
+              <a:t>')</a:t>
+            </a:r>
+            <a:endParaRPr lang="en-US" altLang="zh-CN" sz="2400">
+              <a:sym typeface="+mn-ea"/>
+            </a:endParaRPr>
+          </a:p>
+          <a:p>
+            <a:endParaRPr lang="en-US" altLang="zh-CN" sz="2400"/>
+          </a:p>
+          <a:p>
+            <a:r>
+              <a:rPr lang="en-US" altLang="zh-CN" sz="2400">
+                <a:sym typeface="+mn-ea"/>
+              </a:rPr>
+              <a:t># </a:t>
+            </a:r>
+            <a:r>
+              <a:rPr lang="zh-CN" altLang="en-US" sz="2400">
+                <a:sym typeface="+mn-ea"/>
+              </a:rPr>
+              <a:t>两个输出项 加间隔符和结尾符</a:t>
+            </a:r>
+            <a:endParaRPr lang="zh-CN" altLang="en-US" sz="2400">
+              <a:sym typeface="+mn-ea"/>
+            </a:endParaRPr>
+          </a:p>
+          <a:p>
+            <a:r>
+              <a:rPr lang="en-US" altLang="zh-CN" sz="2400" b="1">
+                <a:sym typeface="+mn-ea"/>
+              </a:rPr>
+              <a:t>5 </a:t>
+            </a:r>
+            <a:r>
+              <a:rPr lang="en-US" altLang="zh-CN" sz="2400" b="1">
                 <a:solidFill>
-                  <a:schemeClr val="accent1"/>
+                  <a:srgbClr val="FF0000"/>
                 </a:solidFill>
-              </a:rPr>
-              <a:t>while num int </a:t>
+                <a:sym typeface="+mn-ea"/>
+              </a:rPr>
+              <a:t>print</a:t>
+            </a:r>
+            <a:r>
+              <a:rPr lang="en-US" altLang="zh-CN" sz="2400">
+                <a:sym typeface="+mn-ea"/>
+              </a:rPr>
+              <a:t>(</a:t>
             </a:r>
             <a:r>
               <a:rPr lang="zh-CN" altLang="en-US" sz="2400">
-                <a:solidFill>
-                  <a:schemeClr val="accent1"/>
-                </a:solidFill>
-              </a:rPr>
-              <a:t>等</a:t>
-            </a:r>
-            <a:endParaRPr lang="zh-CN" altLang="en-US" sz="2400">
-              <a:solidFill>
-                <a:schemeClr val="accent1"/>
-              </a:solidFill>
-            </a:endParaRPr>
+                <a:sym typeface="+mn-ea"/>
+              </a:rPr>
+              <a:t>输出内容</a:t>
+            </a:r>
+            <a:r>
+              <a:rPr lang="en-US" altLang="zh-CN" sz="2400">
+                <a:sym typeface="+mn-ea"/>
+              </a:rPr>
+              <a:t>1,</a:t>
+            </a:r>
+            <a:r>
+              <a:rPr lang="zh-CN" altLang="en-US" sz="2400">
+                <a:sym typeface="+mn-ea"/>
+              </a:rPr>
+              <a:t>输出内容</a:t>
+            </a:r>
+            <a:r>
+              <a:rPr lang="en-US" altLang="zh-CN" sz="2400">
+                <a:sym typeface="+mn-ea"/>
+              </a:rPr>
+              <a:t>2,sep='</a:t>
+            </a:r>
+            <a:r>
+              <a:rPr lang="zh-CN" altLang="en-US" sz="2400">
+                <a:sym typeface="+mn-ea"/>
+              </a:rPr>
+              <a:t>间隔符</a:t>
+            </a:r>
+            <a:r>
+              <a:rPr lang="en-US" altLang="zh-CN" sz="2400">
+                <a:sym typeface="+mn-ea"/>
+              </a:rPr>
+              <a:t>',end='</a:t>
+            </a:r>
+            <a:r>
+              <a:rPr lang="zh-CN" altLang="en-US" sz="2400">
+                <a:sym typeface="+mn-ea"/>
+              </a:rPr>
+              <a:t>结尾符</a:t>
+            </a:r>
+            <a:r>
+              <a:rPr lang="en-US" altLang="zh-CN" sz="2400">
+                <a:sym typeface="+mn-ea"/>
+              </a:rPr>
+              <a:t>')</a:t>
+            </a:r>
+            <a:endParaRPr lang="en-US" altLang="zh-CN" sz="2400"/>
+          </a:p>
+          <a:p>
+            <a:endParaRPr lang="en-US" altLang="zh-CN" sz="2400"/>
+          </a:p>
+          <a:p>
+            <a:endParaRPr lang="en-US" altLang="zh-CN" sz="2400"/>
           </a:p>
         </p:txBody>
       </p:sp>
